--- a/output/Group_8_Porject_3.pptx
+++ b/output/Group_8_Porject_3.pptx
@@ -209,7 +209,7 @@
           <a:p>
             <a:fld id="{74F96EA6-05C9-451D-AFFE-E61A7ABB7FAC}" type="datetimeFigureOut">
               <a:rPr lang="pl-PL" smtClean="0"/>
-              <a:t>18.03.2024</a:t>
+              <a:t>20.03.2024</a:t>
             </a:fld>
             <a:endParaRPr lang="pl-PL"/>
           </a:p>
@@ -511,7 +511,7 @@
           <a:p>
             <a:fld id="{8CB2055A-1BF6-4EC4-B9C0-667D5D960F0E}" type="datetimeFigureOut">
               <a:rPr lang="pl-PL" smtClean="0"/>
-              <a:t>18.03.2024</a:t>
+              <a:t>20.03.2024</a:t>
             </a:fld>
             <a:endParaRPr lang="pl-PL"/>
           </a:p>
@@ -1131,7 +1131,7 @@
           <a:p>
             <a:fld id="{8CB2055A-1BF6-4EC4-B9C0-667D5D960F0E}" type="datetimeFigureOut">
               <a:rPr lang="pl-PL" smtClean="0"/>
-              <a:t>18.03.2024</a:t>
+              <a:t>20.03.2024</a:t>
             </a:fld>
             <a:endParaRPr lang="pl-PL"/>
           </a:p>
@@ -1301,7 +1301,7 @@
           <a:p>
             <a:fld id="{8CB2055A-1BF6-4EC4-B9C0-667D5D960F0E}" type="datetimeFigureOut">
               <a:rPr lang="pl-PL" smtClean="0"/>
-              <a:t>18.03.2024</a:t>
+              <a:t>20.03.2024</a:t>
             </a:fld>
             <a:endParaRPr lang="pl-PL"/>
           </a:p>
@@ -1481,7 +1481,7 @@
           <a:p>
             <a:fld id="{8CB2055A-1BF6-4EC4-B9C0-667D5D960F0E}" type="datetimeFigureOut">
               <a:rPr lang="pl-PL" smtClean="0"/>
-              <a:t>18.03.2024</a:t>
+              <a:t>20.03.2024</a:t>
             </a:fld>
             <a:endParaRPr lang="pl-PL"/>
           </a:p>
@@ -1851,7 +1851,7 @@
             <a:fld id="{8CB2055A-1BF6-4EC4-B9C0-667D5D960F0E}" type="datetimeFigureOut">
               <a:rPr lang="pl-PL" smtClean="0"/>
               <a:pPr/>
-              <a:t>18.03.2024</a:t>
+              <a:t>20.03.2024</a:t>
             </a:fld>
             <a:endParaRPr lang="pl-PL"/>
           </a:p>
@@ -2349,7 +2349,7 @@
             <a:fld id="{8CB2055A-1BF6-4EC4-B9C0-667D5D960F0E}" type="datetimeFigureOut">
               <a:rPr lang="pl-PL" smtClean="0"/>
               <a:pPr/>
-              <a:t>18.03.2024</a:t>
+              <a:t>20.03.2024</a:t>
             </a:fld>
             <a:endParaRPr lang="pl-PL"/>
           </a:p>
@@ -2856,7 +2856,7 @@
           <a:p>
             <a:fld id="{8CB2055A-1BF6-4EC4-B9C0-667D5D960F0E}" type="datetimeFigureOut">
               <a:rPr lang="pl-PL" smtClean="0"/>
-              <a:t>18.03.2024</a:t>
+              <a:t>20.03.2024</a:t>
             </a:fld>
             <a:endParaRPr lang="pl-PL"/>
           </a:p>
@@ -3223,7 +3223,7 @@
           <a:p>
             <a:fld id="{8CB2055A-1BF6-4EC4-B9C0-667D5D960F0E}" type="datetimeFigureOut">
               <a:rPr lang="pl-PL" smtClean="0"/>
-              <a:t>18.03.2024</a:t>
+              <a:t>20.03.2024</a:t>
             </a:fld>
             <a:endParaRPr lang="pl-PL"/>
           </a:p>
@@ -3341,7 +3341,7 @@
           <a:p>
             <a:fld id="{8CB2055A-1BF6-4EC4-B9C0-667D5D960F0E}" type="datetimeFigureOut">
               <a:rPr lang="pl-PL" smtClean="0"/>
-              <a:t>18.03.2024</a:t>
+              <a:t>20.03.2024</a:t>
             </a:fld>
             <a:endParaRPr lang="pl-PL"/>
           </a:p>
@@ -3648,7 +3648,7 @@
           <a:p>
             <a:fld id="{8CB2055A-1BF6-4EC4-B9C0-667D5D960F0E}" type="datetimeFigureOut">
               <a:rPr lang="pl-PL" smtClean="0"/>
-              <a:t>18.03.2024</a:t>
+              <a:t>20.03.2024</a:t>
             </a:fld>
             <a:endParaRPr lang="pl-PL"/>
           </a:p>
@@ -3861,7 +3861,7 @@
           <a:p>
             <a:fld id="{8CB2055A-1BF6-4EC4-B9C0-667D5D960F0E}" type="datetimeFigureOut">
               <a:rPr lang="pl-PL" smtClean="0"/>
-              <a:t>18.03.2024</a:t>
+              <a:t>20.03.2024</a:t>
             </a:fld>
             <a:endParaRPr lang="pl-PL"/>
           </a:p>
@@ -4844,7 +4844,7 @@
           <p:nvPr>
             <p:extLst>
               <p:ext uri="{D42A27DB-BD31-4B8C-83A1-F6EECF244321}">
-                <p14:modId xmlns:p14="http://schemas.microsoft.com/office/powerpoint/2010/main" val="2142765240"/>
+                <p14:modId xmlns:p14="http://schemas.microsoft.com/office/powerpoint/2010/main" val="3874753094"/>
               </p:ext>
             </p:extLst>
           </p:nvPr>
@@ -4951,12 +4951,12 @@
                     <a:p>
                       <a:pPr algn="l"/>
                       <a:r>
-                        <a:rPr lang="en-US" altLang="zh-CN" sz="1800" dirty="0">
+                        <a:rPr lang="en-US" altLang="zh-CN" sz="1800">
                           <a:solidFill>
                             <a:schemeClr val="dk1"/>
                           </a:solidFill>
                         </a:rPr>
-                        <a:t>0.48633</a:t>
+                        <a:t>0.50700</a:t>
                       </a:r>
                       <a:endParaRPr lang="zh-CN" altLang="en-US" dirty="0"/>
                     </a:p>
@@ -8814,7 +8814,7 @@
                   <a:schemeClr val="dk1"/>
                 </a:solidFill>
               </a:rPr>
-              <a:t>Accuracy: 0.48633334040641785</a:t>
+              <a:t>Accuracy: 0.5070000290870667</a:t>
             </a:r>
           </a:p>
           <a:p>
